--- a/CNN_mnist/tegaki/tegaki.pptx
+++ b/CNN_mnist/tegaki/tegaki.pptx
@@ -254,7 +254,7 @@
           <a:p>
             <a:fld id="{274E1A6F-2FB5-8A4B-BE13-BF6754A580DC}" type="datetimeFigureOut">
               <a:rPr kumimoji="1" lang="ja-JP" altLang="en-US" smtClean="0"/>
-              <a:t>2017/12/10</a:t>
+              <a:t>2018/1/14</a:t>
             </a:fld>
             <a:endParaRPr kumimoji="1" lang="ja-JP" altLang="en-US"/>
           </a:p>
@@ -456,7 +456,7 @@
           <a:p>
             <a:fld id="{274E1A6F-2FB5-8A4B-BE13-BF6754A580DC}" type="datetimeFigureOut">
               <a:rPr kumimoji="1" lang="ja-JP" altLang="en-US" smtClean="0"/>
-              <a:t>2017/12/10</a:t>
+              <a:t>2018/1/14</a:t>
             </a:fld>
             <a:endParaRPr kumimoji="1" lang="ja-JP" altLang="en-US"/>
           </a:p>
@@ -668,7 +668,7 @@
           <a:p>
             <a:fld id="{274E1A6F-2FB5-8A4B-BE13-BF6754A580DC}" type="datetimeFigureOut">
               <a:rPr kumimoji="1" lang="ja-JP" altLang="en-US" smtClean="0"/>
-              <a:t>2017/12/10</a:t>
+              <a:t>2018/1/14</a:t>
             </a:fld>
             <a:endParaRPr kumimoji="1" lang="ja-JP" altLang="en-US"/>
           </a:p>
@@ -870,7 +870,7 @@
           <a:p>
             <a:fld id="{274E1A6F-2FB5-8A4B-BE13-BF6754A580DC}" type="datetimeFigureOut">
               <a:rPr kumimoji="1" lang="ja-JP" altLang="en-US" smtClean="0"/>
-              <a:t>2017/12/10</a:t>
+              <a:t>2018/1/14</a:t>
             </a:fld>
             <a:endParaRPr kumimoji="1" lang="ja-JP" altLang="en-US"/>
           </a:p>
@@ -1116,7 +1116,7 @@
           <a:p>
             <a:fld id="{274E1A6F-2FB5-8A4B-BE13-BF6754A580DC}" type="datetimeFigureOut">
               <a:rPr kumimoji="1" lang="ja-JP" altLang="en-US" smtClean="0"/>
-              <a:t>2017/12/10</a:t>
+              <a:t>2018/1/14</a:t>
             </a:fld>
             <a:endParaRPr kumimoji="1" lang="ja-JP" altLang="en-US"/>
           </a:p>
@@ -1412,7 +1412,7 @@
           <a:p>
             <a:fld id="{274E1A6F-2FB5-8A4B-BE13-BF6754A580DC}" type="datetimeFigureOut">
               <a:rPr kumimoji="1" lang="ja-JP" altLang="en-US" smtClean="0"/>
-              <a:t>2017/12/10</a:t>
+              <a:t>2018/1/14</a:t>
             </a:fld>
             <a:endParaRPr kumimoji="1" lang="ja-JP" altLang="en-US"/>
           </a:p>
@@ -1843,7 +1843,7 @@
           <a:p>
             <a:fld id="{274E1A6F-2FB5-8A4B-BE13-BF6754A580DC}" type="datetimeFigureOut">
               <a:rPr kumimoji="1" lang="ja-JP" altLang="en-US" smtClean="0"/>
-              <a:t>2017/12/10</a:t>
+              <a:t>2018/1/14</a:t>
             </a:fld>
             <a:endParaRPr kumimoji="1" lang="ja-JP" altLang="en-US"/>
           </a:p>
@@ -1961,7 +1961,7 @@
           <a:p>
             <a:fld id="{274E1A6F-2FB5-8A4B-BE13-BF6754A580DC}" type="datetimeFigureOut">
               <a:rPr kumimoji="1" lang="ja-JP" altLang="en-US" smtClean="0"/>
-              <a:t>2017/12/10</a:t>
+              <a:t>2018/1/14</a:t>
             </a:fld>
             <a:endParaRPr kumimoji="1" lang="ja-JP" altLang="en-US"/>
           </a:p>
@@ -2056,7 +2056,7 @@
           <a:p>
             <a:fld id="{274E1A6F-2FB5-8A4B-BE13-BF6754A580DC}" type="datetimeFigureOut">
               <a:rPr kumimoji="1" lang="ja-JP" altLang="en-US" smtClean="0"/>
-              <a:t>2017/12/10</a:t>
+              <a:t>2018/1/14</a:t>
             </a:fld>
             <a:endParaRPr kumimoji="1" lang="ja-JP" altLang="en-US"/>
           </a:p>
@@ -2365,7 +2365,7 @@
           <a:p>
             <a:fld id="{274E1A6F-2FB5-8A4B-BE13-BF6754A580DC}" type="datetimeFigureOut">
               <a:rPr kumimoji="1" lang="ja-JP" altLang="en-US" smtClean="0"/>
-              <a:t>2017/12/10</a:t>
+              <a:t>2018/1/14</a:t>
             </a:fld>
             <a:endParaRPr kumimoji="1" lang="ja-JP" altLang="en-US"/>
           </a:p>
@@ -2618,7 +2618,7 @@
           <a:p>
             <a:fld id="{274E1A6F-2FB5-8A4B-BE13-BF6754A580DC}" type="datetimeFigureOut">
               <a:rPr kumimoji="1" lang="ja-JP" altLang="en-US" smtClean="0"/>
-              <a:t>2017/12/10</a:t>
+              <a:t>2018/1/14</a:t>
             </a:fld>
             <a:endParaRPr kumimoji="1" lang="ja-JP" altLang="en-US"/>
           </a:p>
@@ -2863,7 +2863,7 @@
           <a:p>
             <a:fld id="{274E1A6F-2FB5-8A4B-BE13-BF6754A580DC}" type="datetimeFigureOut">
               <a:rPr kumimoji="1" lang="ja-JP" altLang="en-US" smtClean="0"/>
-              <a:t>2017/12/10</a:t>
+              <a:t>2018/1/14</a:t>
             </a:fld>
             <a:endParaRPr kumimoji="1" lang="ja-JP" altLang="en-US"/>
           </a:p>
@@ -3270,6 +3270,52 @@
       </p:grpSpPr>
       <p:sp>
         <p:nvSpPr>
+          <p:cNvPr id="8" name="正方形/長方形 7"/>
+          <p:cNvSpPr/>
+          <p:nvPr/>
+        </p:nvSpPr>
+        <p:spPr>
+          <a:xfrm>
+            <a:off x="4854051" y="2572716"/>
+            <a:ext cx="1489752" cy="1489753"/>
+          </a:xfrm>
+          <a:prstGeom prst="rect">
+            <a:avLst/>
+          </a:prstGeom>
+          <a:solidFill>
+            <a:schemeClr val="bg1"/>
+          </a:solidFill>
+          <a:ln>
+            <a:noFill/>
+          </a:ln>
+        </p:spPr>
+        <p:style>
+          <a:lnRef idx="2">
+            <a:schemeClr val="accent1">
+              <a:shade val="50000"/>
+            </a:schemeClr>
+          </a:lnRef>
+          <a:fillRef idx="1">
+            <a:schemeClr val="accent1"/>
+          </a:fillRef>
+          <a:effectRef idx="0">
+            <a:schemeClr val="accent1"/>
+          </a:effectRef>
+          <a:fontRef idx="minor">
+            <a:schemeClr val="lt1"/>
+          </a:fontRef>
+        </p:style>
+        <p:txBody>
+          <a:bodyPr rtlCol="0" anchor="ctr"/>
+          <a:lstStyle/>
+          <a:p>
+            <a:pPr algn="ctr"/>
+            <a:endParaRPr kumimoji="1" lang="ja-JP" altLang="en-US"/>
+          </a:p>
+        </p:txBody>
+      </p:sp>
+      <p:sp>
+        <p:nvSpPr>
           <p:cNvPr id="7" name="正方形/長方形 6"/>
           <p:cNvSpPr/>
           <p:nvPr/>
@@ -3837,6 +3883,1263 @@
           </a:p>
         </p:txBody>
       </p:sp>
+      <p:sp>
+        <p:nvSpPr>
+          <p:cNvPr id="2" name="フリーフォーム 1"/>
+          <p:cNvSpPr/>
+          <p:nvPr/>
+        </p:nvSpPr>
+        <p:spPr>
+          <a:xfrm>
+            <a:off x="5442825" y="2612571"/>
+            <a:ext cx="631404" cy="1164772"/>
+          </a:xfrm>
+          <a:custGeom>
+            <a:avLst/>
+            <a:gdLst>
+              <a:gd name="connsiteX0" fmla="*/ 576975 w 631404"/>
+              <a:gd name="connsiteY0" fmla="*/ 0 h 1164772"/>
+              <a:gd name="connsiteX1" fmla="*/ 533432 w 631404"/>
+              <a:gd name="connsiteY1" fmla="*/ 10886 h 1164772"/>
+              <a:gd name="connsiteX2" fmla="*/ 402804 w 631404"/>
+              <a:gd name="connsiteY2" fmla="*/ 21772 h 1164772"/>
+              <a:gd name="connsiteX3" fmla="*/ 370146 w 631404"/>
+              <a:gd name="connsiteY3" fmla="*/ 43543 h 1164772"/>
+              <a:gd name="connsiteX4" fmla="*/ 337489 w 631404"/>
+              <a:gd name="connsiteY4" fmla="*/ 54429 h 1164772"/>
+              <a:gd name="connsiteX5" fmla="*/ 283061 w 631404"/>
+              <a:gd name="connsiteY5" fmla="*/ 119743 h 1164772"/>
+              <a:gd name="connsiteX6" fmla="*/ 315718 w 631404"/>
+              <a:gd name="connsiteY6" fmla="*/ 272143 h 1164772"/>
+              <a:gd name="connsiteX7" fmla="*/ 446346 w 631404"/>
+              <a:gd name="connsiteY7" fmla="*/ 337458 h 1164772"/>
+              <a:gd name="connsiteX8" fmla="*/ 511661 w 631404"/>
+              <a:gd name="connsiteY8" fmla="*/ 359229 h 1164772"/>
+              <a:gd name="connsiteX9" fmla="*/ 587861 w 631404"/>
+              <a:gd name="connsiteY9" fmla="*/ 424543 h 1164772"/>
+              <a:gd name="connsiteX10" fmla="*/ 609632 w 631404"/>
+              <a:gd name="connsiteY10" fmla="*/ 446315 h 1164772"/>
+              <a:gd name="connsiteX11" fmla="*/ 620518 w 631404"/>
+              <a:gd name="connsiteY11" fmla="*/ 489858 h 1164772"/>
+              <a:gd name="connsiteX12" fmla="*/ 631404 w 631404"/>
+              <a:gd name="connsiteY12" fmla="*/ 522515 h 1164772"/>
+              <a:gd name="connsiteX13" fmla="*/ 598746 w 631404"/>
+              <a:gd name="connsiteY13" fmla="*/ 729343 h 1164772"/>
+              <a:gd name="connsiteX14" fmla="*/ 587861 w 631404"/>
+              <a:gd name="connsiteY14" fmla="*/ 762000 h 1164772"/>
+              <a:gd name="connsiteX15" fmla="*/ 566089 w 631404"/>
+              <a:gd name="connsiteY15" fmla="*/ 794658 h 1164772"/>
+              <a:gd name="connsiteX16" fmla="*/ 522546 w 631404"/>
+              <a:gd name="connsiteY16" fmla="*/ 914400 h 1164772"/>
+              <a:gd name="connsiteX17" fmla="*/ 500775 w 631404"/>
+              <a:gd name="connsiteY17" fmla="*/ 979715 h 1164772"/>
+              <a:gd name="connsiteX18" fmla="*/ 446346 w 631404"/>
+              <a:gd name="connsiteY18" fmla="*/ 1034143 h 1164772"/>
+              <a:gd name="connsiteX19" fmla="*/ 381032 w 631404"/>
+              <a:gd name="connsiteY19" fmla="*/ 1077686 h 1164772"/>
+              <a:gd name="connsiteX20" fmla="*/ 348375 w 631404"/>
+              <a:gd name="connsiteY20" fmla="*/ 1099458 h 1164772"/>
+              <a:gd name="connsiteX21" fmla="*/ 315718 w 631404"/>
+              <a:gd name="connsiteY21" fmla="*/ 1110343 h 1164772"/>
+              <a:gd name="connsiteX22" fmla="*/ 228632 w 631404"/>
+              <a:gd name="connsiteY22" fmla="*/ 1153886 h 1164772"/>
+              <a:gd name="connsiteX23" fmla="*/ 195975 w 631404"/>
+              <a:gd name="connsiteY23" fmla="*/ 1164772 h 1164772"/>
+              <a:gd name="connsiteX24" fmla="*/ 141546 w 631404"/>
+              <a:gd name="connsiteY24" fmla="*/ 1153886 h 1164772"/>
+              <a:gd name="connsiteX25" fmla="*/ 108889 w 631404"/>
+              <a:gd name="connsiteY25" fmla="*/ 1132115 h 1164772"/>
+              <a:gd name="connsiteX26" fmla="*/ 65346 w 631404"/>
+              <a:gd name="connsiteY26" fmla="*/ 1088572 h 1164772"/>
+              <a:gd name="connsiteX27" fmla="*/ 21804 w 631404"/>
+              <a:gd name="connsiteY27" fmla="*/ 1034143 h 1164772"/>
+              <a:gd name="connsiteX28" fmla="*/ 21804 w 631404"/>
+              <a:gd name="connsiteY28" fmla="*/ 762000 h 1164772"/>
+              <a:gd name="connsiteX29" fmla="*/ 43575 w 631404"/>
+              <a:gd name="connsiteY29" fmla="*/ 696686 h 1164772"/>
+              <a:gd name="connsiteX30" fmla="*/ 130661 w 631404"/>
+              <a:gd name="connsiteY30" fmla="*/ 631372 h 1164772"/>
+              <a:gd name="connsiteX31" fmla="*/ 174204 w 631404"/>
+              <a:gd name="connsiteY31" fmla="*/ 620486 h 1164772"/>
+              <a:gd name="connsiteX32" fmla="*/ 239518 w 631404"/>
+              <a:gd name="connsiteY32" fmla="*/ 598715 h 1164772"/>
+              <a:gd name="connsiteX33" fmla="*/ 272175 w 631404"/>
+              <a:gd name="connsiteY33" fmla="*/ 587829 h 1164772"/>
+              <a:gd name="connsiteX34" fmla="*/ 304832 w 631404"/>
+              <a:gd name="connsiteY34" fmla="*/ 555172 h 1164772"/>
+              <a:gd name="connsiteX35" fmla="*/ 315718 w 631404"/>
+              <a:gd name="connsiteY35" fmla="*/ 522515 h 1164772"/>
+              <a:gd name="connsiteX36" fmla="*/ 337489 w 631404"/>
+              <a:gd name="connsiteY36" fmla="*/ 489858 h 1164772"/>
+              <a:gd name="connsiteX37" fmla="*/ 359261 w 631404"/>
+              <a:gd name="connsiteY37" fmla="*/ 424543 h 1164772"/>
+              <a:gd name="connsiteX38" fmla="*/ 381032 w 631404"/>
+              <a:gd name="connsiteY38" fmla="*/ 359229 h 1164772"/>
+              <a:gd name="connsiteX39" fmla="*/ 391918 w 631404"/>
+              <a:gd name="connsiteY39" fmla="*/ 326572 h 1164772"/>
+              <a:gd name="connsiteX40" fmla="*/ 402804 w 631404"/>
+              <a:gd name="connsiteY40" fmla="*/ 228600 h 1164772"/>
+              <a:gd name="connsiteX41" fmla="*/ 413689 w 631404"/>
+              <a:gd name="connsiteY41" fmla="*/ 195943 h 1164772"/>
+              <a:gd name="connsiteX42" fmla="*/ 435461 w 631404"/>
+              <a:gd name="connsiteY42" fmla="*/ 119743 h 1164772"/>
+              <a:gd name="connsiteX43" fmla="*/ 424575 w 631404"/>
+              <a:gd name="connsiteY43" fmla="*/ 65315 h 1164772"/>
+            </a:gdLst>
+            <a:ahLst/>
+            <a:cxnLst>
+              <a:cxn ang="0">
+                <a:pos x="connsiteX0" y="connsiteY0"/>
+              </a:cxn>
+              <a:cxn ang="0">
+                <a:pos x="connsiteX1" y="connsiteY1"/>
+              </a:cxn>
+              <a:cxn ang="0">
+                <a:pos x="connsiteX2" y="connsiteY2"/>
+              </a:cxn>
+              <a:cxn ang="0">
+                <a:pos x="connsiteX3" y="connsiteY3"/>
+              </a:cxn>
+              <a:cxn ang="0">
+                <a:pos x="connsiteX4" y="connsiteY4"/>
+              </a:cxn>
+              <a:cxn ang="0">
+                <a:pos x="connsiteX5" y="connsiteY5"/>
+              </a:cxn>
+              <a:cxn ang="0">
+                <a:pos x="connsiteX6" y="connsiteY6"/>
+              </a:cxn>
+              <a:cxn ang="0">
+                <a:pos x="connsiteX7" y="connsiteY7"/>
+              </a:cxn>
+              <a:cxn ang="0">
+                <a:pos x="connsiteX8" y="connsiteY8"/>
+              </a:cxn>
+              <a:cxn ang="0">
+                <a:pos x="connsiteX9" y="connsiteY9"/>
+              </a:cxn>
+              <a:cxn ang="0">
+                <a:pos x="connsiteX10" y="connsiteY10"/>
+              </a:cxn>
+              <a:cxn ang="0">
+                <a:pos x="connsiteX11" y="connsiteY11"/>
+              </a:cxn>
+              <a:cxn ang="0">
+                <a:pos x="connsiteX12" y="connsiteY12"/>
+              </a:cxn>
+              <a:cxn ang="0">
+                <a:pos x="connsiteX13" y="connsiteY13"/>
+              </a:cxn>
+              <a:cxn ang="0">
+                <a:pos x="connsiteX14" y="connsiteY14"/>
+              </a:cxn>
+              <a:cxn ang="0">
+                <a:pos x="connsiteX15" y="connsiteY15"/>
+              </a:cxn>
+              <a:cxn ang="0">
+                <a:pos x="connsiteX16" y="connsiteY16"/>
+              </a:cxn>
+              <a:cxn ang="0">
+                <a:pos x="connsiteX17" y="connsiteY17"/>
+              </a:cxn>
+              <a:cxn ang="0">
+                <a:pos x="connsiteX18" y="connsiteY18"/>
+              </a:cxn>
+              <a:cxn ang="0">
+                <a:pos x="connsiteX19" y="connsiteY19"/>
+              </a:cxn>
+              <a:cxn ang="0">
+                <a:pos x="connsiteX20" y="connsiteY20"/>
+              </a:cxn>
+              <a:cxn ang="0">
+                <a:pos x="connsiteX21" y="connsiteY21"/>
+              </a:cxn>
+              <a:cxn ang="0">
+                <a:pos x="connsiteX22" y="connsiteY22"/>
+              </a:cxn>
+              <a:cxn ang="0">
+                <a:pos x="connsiteX23" y="connsiteY23"/>
+              </a:cxn>
+              <a:cxn ang="0">
+                <a:pos x="connsiteX24" y="connsiteY24"/>
+              </a:cxn>
+              <a:cxn ang="0">
+                <a:pos x="connsiteX25" y="connsiteY25"/>
+              </a:cxn>
+              <a:cxn ang="0">
+                <a:pos x="connsiteX26" y="connsiteY26"/>
+              </a:cxn>
+              <a:cxn ang="0">
+                <a:pos x="connsiteX27" y="connsiteY27"/>
+              </a:cxn>
+              <a:cxn ang="0">
+                <a:pos x="connsiteX28" y="connsiteY28"/>
+              </a:cxn>
+              <a:cxn ang="0">
+                <a:pos x="connsiteX29" y="connsiteY29"/>
+              </a:cxn>
+              <a:cxn ang="0">
+                <a:pos x="connsiteX30" y="connsiteY30"/>
+              </a:cxn>
+              <a:cxn ang="0">
+                <a:pos x="connsiteX31" y="connsiteY31"/>
+              </a:cxn>
+              <a:cxn ang="0">
+                <a:pos x="connsiteX32" y="connsiteY32"/>
+              </a:cxn>
+              <a:cxn ang="0">
+                <a:pos x="connsiteX33" y="connsiteY33"/>
+              </a:cxn>
+              <a:cxn ang="0">
+                <a:pos x="connsiteX34" y="connsiteY34"/>
+              </a:cxn>
+              <a:cxn ang="0">
+                <a:pos x="connsiteX35" y="connsiteY35"/>
+              </a:cxn>
+              <a:cxn ang="0">
+                <a:pos x="connsiteX36" y="connsiteY36"/>
+              </a:cxn>
+              <a:cxn ang="0">
+                <a:pos x="connsiteX37" y="connsiteY37"/>
+              </a:cxn>
+              <a:cxn ang="0">
+                <a:pos x="connsiteX38" y="connsiteY38"/>
+              </a:cxn>
+              <a:cxn ang="0">
+                <a:pos x="connsiteX39" y="connsiteY39"/>
+              </a:cxn>
+              <a:cxn ang="0">
+                <a:pos x="connsiteX40" y="connsiteY40"/>
+              </a:cxn>
+              <a:cxn ang="0">
+                <a:pos x="connsiteX41" y="connsiteY41"/>
+              </a:cxn>
+              <a:cxn ang="0">
+                <a:pos x="connsiteX42" y="connsiteY42"/>
+              </a:cxn>
+              <a:cxn ang="0">
+                <a:pos x="connsiteX43" y="connsiteY43"/>
+              </a:cxn>
+            </a:cxnLst>
+            <a:rect l="l" t="t" r="r" b="b"/>
+            <a:pathLst>
+              <a:path w="631404" h="1164772">
+                <a:moveTo>
+                  <a:pt x="576975" y="0"/>
+                </a:moveTo>
+                <a:cubicBezTo>
+                  <a:pt x="562461" y="3629"/>
+                  <a:pt x="548278" y="9030"/>
+                  <a:pt x="533432" y="10886"/>
+                </a:cubicBezTo>
+                <a:cubicBezTo>
+                  <a:pt x="490076" y="16306"/>
+                  <a:pt x="445649" y="13203"/>
+                  <a:pt x="402804" y="21772"/>
+                </a:cubicBezTo>
+                <a:cubicBezTo>
+                  <a:pt x="389975" y="24338"/>
+                  <a:pt x="381848" y="37692"/>
+                  <a:pt x="370146" y="43543"/>
+                </a:cubicBezTo>
+                <a:cubicBezTo>
+                  <a:pt x="359883" y="48675"/>
+                  <a:pt x="348375" y="50800"/>
+                  <a:pt x="337489" y="54429"/>
+                </a:cubicBezTo>
+                <a:cubicBezTo>
+                  <a:pt x="329875" y="62043"/>
+                  <a:pt x="284227" y="103421"/>
+                  <a:pt x="283061" y="119743"/>
+                </a:cubicBezTo>
+                <a:cubicBezTo>
+                  <a:pt x="280509" y="155475"/>
+                  <a:pt x="276487" y="237816"/>
+                  <a:pt x="315718" y="272143"/>
+                </a:cubicBezTo>
+                <a:cubicBezTo>
+                  <a:pt x="367661" y="317593"/>
+                  <a:pt x="384684" y="316904"/>
+                  <a:pt x="446346" y="337458"/>
+                </a:cubicBezTo>
+                <a:cubicBezTo>
+                  <a:pt x="446351" y="337460"/>
+                  <a:pt x="511656" y="359225"/>
+                  <a:pt x="511661" y="359229"/>
+                </a:cubicBezTo>
+                <a:cubicBezTo>
+                  <a:pt x="561396" y="392385"/>
+                  <a:pt x="535069" y="371751"/>
+                  <a:pt x="587861" y="424543"/>
+                </a:cubicBezTo>
+                <a:lnTo>
+                  <a:pt x="609632" y="446315"/>
+                </a:lnTo>
+                <a:cubicBezTo>
+                  <a:pt x="613261" y="460829"/>
+                  <a:pt x="616408" y="475473"/>
+                  <a:pt x="620518" y="489858"/>
+                </a:cubicBezTo>
+                <a:cubicBezTo>
+                  <a:pt x="623670" y="500891"/>
+                  <a:pt x="631404" y="511040"/>
+                  <a:pt x="631404" y="522515"/>
+                </a:cubicBezTo>
+                <a:cubicBezTo>
+                  <a:pt x="631404" y="648979"/>
+                  <a:pt x="629345" y="637546"/>
+                  <a:pt x="598746" y="729343"/>
+                </a:cubicBezTo>
+                <a:cubicBezTo>
+                  <a:pt x="595117" y="740229"/>
+                  <a:pt x="594226" y="752453"/>
+                  <a:pt x="587861" y="762000"/>
+                </a:cubicBezTo>
+                <a:lnTo>
+                  <a:pt x="566089" y="794658"/>
+                </a:lnTo>
+                <a:cubicBezTo>
+                  <a:pt x="541145" y="894435"/>
+                  <a:pt x="560916" y="856847"/>
+                  <a:pt x="522546" y="914400"/>
+                </a:cubicBezTo>
+                <a:cubicBezTo>
+                  <a:pt x="515289" y="936172"/>
+                  <a:pt x="517003" y="963488"/>
+                  <a:pt x="500775" y="979715"/>
+                </a:cubicBezTo>
+                <a:cubicBezTo>
+                  <a:pt x="482632" y="997858"/>
+                  <a:pt x="467695" y="1019911"/>
+                  <a:pt x="446346" y="1034143"/>
+                </a:cubicBezTo>
+                <a:lnTo>
+                  <a:pt x="381032" y="1077686"/>
+                </a:lnTo>
+                <a:cubicBezTo>
+                  <a:pt x="370146" y="1084943"/>
+                  <a:pt x="360787" y="1095321"/>
+                  <a:pt x="348375" y="1099458"/>
+                </a:cubicBezTo>
+                <a:lnTo>
+                  <a:pt x="315718" y="1110343"/>
+                </a:lnTo>
+                <a:cubicBezTo>
+                  <a:pt x="277718" y="1148343"/>
+                  <a:pt x="303683" y="1128869"/>
+                  <a:pt x="228632" y="1153886"/>
+                </a:cubicBezTo>
+                <a:lnTo>
+                  <a:pt x="195975" y="1164772"/>
+                </a:lnTo>
+                <a:cubicBezTo>
+                  <a:pt x="177832" y="1161143"/>
+                  <a:pt x="158870" y="1160383"/>
+                  <a:pt x="141546" y="1153886"/>
+                </a:cubicBezTo>
+                <a:cubicBezTo>
+                  <a:pt x="129296" y="1149292"/>
+                  <a:pt x="118822" y="1140629"/>
+                  <a:pt x="108889" y="1132115"/>
+                </a:cubicBezTo>
+                <a:cubicBezTo>
+                  <a:pt x="93304" y="1118757"/>
+                  <a:pt x="76732" y="1105651"/>
+                  <a:pt x="65346" y="1088572"/>
+                </a:cubicBezTo>
+                <a:cubicBezTo>
+                  <a:pt x="37882" y="1047375"/>
+                  <a:pt x="52826" y="1065166"/>
+                  <a:pt x="21804" y="1034143"/>
+                </a:cubicBezTo>
+                <a:cubicBezTo>
+                  <a:pt x="-12671" y="930722"/>
+                  <a:pt x="-1318" y="977805"/>
+                  <a:pt x="21804" y="762000"/>
+                </a:cubicBezTo>
+                <a:cubicBezTo>
+                  <a:pt x="24249" y="739182"/>
+                  <a:pt x="27347" y="712913"/>
+                  <a:pt x="43575" y="696686"/>
+                </a:cubicBezTo>
+                <a:cubicBezTo>
+                  <a:pt x="97620" y="642642"/>
+                  <a:pt x="77463" y="646572"/>
+                  <a:pt x="130661" y="631372"/>
+                </a:cubicBezTo>
+                <a:cubicBezTo>
+                  <a:pt x="145046" y="627262"/>
+                  <a:pt x="159874" y="624785"/>
+                  <a:pt x="174204" y="620486"/>
+                </a:cubicBezTo>
+                <a:cubicBezTo>
+                  <a:pt x="196185" y="613892"/>
+                  <a:pt x="217747" y="605972"/>
+                  <a:pt x="239518" y="598715"/>
+                </a:cubicBezTo>
+                <a:lnTo>
+                  <a:pt x="272175" y="587829"/>
+                </a:lnTo>
+                <a:cubicBezTo>
+                  <a:pt x="283061" y="576943"/>
+                  <a:pt x="296293" y="567981"/>
+                  <a:pt x="304832" y="555172"/>
+                </a:cubicBezTo>
+                <a:cubicBezTo>
+                  <a:pt x="311197" y="545625"/>
+                  <a:pt x="310586" y="532778"/>
+                  <a:pt x="315718" y="522515"/>
+                </a:cubicBezTo>
+                <a:cubicBezTo>
+                  <a:pt x="321569" y="510813"/>
+                  <a:pt x="332176" y="501813"/>
+                  <a:pt x="337489" y="489858"/>
+                </a:cubicBezTo>
+                <a:cubicBezTo>
+                  <a:pt x="346810" y="468887"/>
+                  <a:pt x="352004" y="446315"/>
+                  <a:pt x="359261" y="424543"/>
+                </a:cubicBezTo>
+                <a:lnTo>
+                  <a:pt x="381032" y="359229"/>
+                </a:lnTo>
+                <a:lnTo>
+                  <a:pt x="391918" y="326572"/>
+                </a:lnTo>
+                <a:cubicBezTo>
+                  <a:pt x="395547" y="293915"/>
+                  <a:pt x="397402" y="261011"/>
+                  <a:pt x="402804" y="228600"/>
+                </a:cubicBezTo>
+                <a:cubicBezTo>
+                  <a:pt x="404690" y="217282"/>
+                  <a:pt x="410537" y="206976"/>
+                  <a:pt x="413689" y="195943"/>
+                </a:cubicBezTo>
+                <a:cubicBezTo>
+                  <a:pt x="441018" y="100289"/>
+                  <a:pt x="409367" y="198023"/>
+                  <a:pt x="435461" y="119743"/>
+                </a:cubicBezTo>
+                <a:lnTo>
+                  <a:pt x="424575" y="65315"/>
+                </a:lnTo>
+              </a:path>
+            </a:pathLst>
+          </a:custGeom>
+          <a:noFill/>
+          <a:ln w="57150">
+            <a:solidFill>
+              <a:schemeClr val="tx1"/>
+            </a:solidFill>
+          </a:ln>
+        </p:spPr>
+        <p:style>
+          <a:lnRef idx="2">
+            <a:schemeClr val="accent1">
+              <a:shade val="50000"/>
+            </a:schemeClr>
+          </a:lnRef>
+          <a:fillRef idx="1">
+            <a:schemeClr val="accent1"/>
+          </a:fillRef>
+          <a:effectRef idx="0">
+            <a:schemeClr val="accent1"/>
+          </a:effectRef>
+          <a:fontRef idx="minor">
+            <a:schemeClr val="lt1"/>
+          </a:fontRef>
+        </p:style>
+        <p:txBody>
+          <a:bodyPr rtlCol="0" anchor="ctr"/>
+          <a:lstStyle/>
+          <a:p>
+            <a:pPr algn="ctr"/>
+            <a:endParaRPr kumimoji="1" lang="ja-JP" altLang="en-US"/>
+          </a:p>
+        </p:txBody>
+      </p:sp>
+      <p:sp>
+        <p:nvSpPr>
+          <p:cNvPr id="3" name="テキスト ボックス 2"/>
+          <p:cNvSpPr txBox="1"/>
+          <p:nvPr/>
+        </p:nvSpPr>
+        <p:spPr>
+          <a:xfrm>
+            <a:off x="4408714" y="2068286"/>
+            <a:ext cx="184731" cy="369332"/>
+          </a:xfrm>
+          <a:prstGeom prst="rect">
+            <a:avLst/>
+          </a:prstGeom>
+          <a:noFill/>
+        </p:spPr>
+        <p:txBody>
+          <a:bodyPr wrap="none" rtlCol="0">
+            <a:spAutoFit/>
+          </a:bodyPr>
+          <a:lstStyle/>
+          <a:p>
+            <a:endParaRPr kumimoji="1" lang="ja-JP" altLang="en-US" dirty="0"/>
+          </a:p>
+        </p:txBody>
+      </p:sp>
+      <p:sp>
+        <p:nvSpPr>
+          <p:cNvPr id="13" name="正方形/長方形 12"/>
+          <p:cNvSpPr/>
+          <p:nvPr/>
+        </p:nvSpPr>
+        <p:spPr>
+          <a:xfrm>
+            <a:off x="3780890" y="5208998"/>
+            <a:ext cx="1407559" cy="1181528"/>
+          </a:xfrm>
+          <a:prstGeom prst="rect">
+            <a:avLst/>
+          </a:prstGeom>
+          <a:solidFill>
+            <a:schemeClr val="bg1"/>
+          </a:solidFill>
+          <a:ln>
+            <a:noFill/>
+          </a:ln>
+        </p:spPr>
+        <p:style>
+          <a:lnRef idx="2">
+            <a:schemeClr val="accent1">
+              <a:shade val="50000"/>
+            </a:schemeClr>
+          </a:lnRef>
+          <a:fillRef idx="1">
+            <a:schemeClr val="accent1"/>
+          </a:fillRef>
+          <a:effectRef idx="0">
+            <a:schemeClr val="accent1"/>
+          </a:effectRef>
+          <a:fontRef idx="minor">
+            <a:schemeClr val="lt1"/>
+          </a:fontRef>
+        </p:style>
+        <p:txBody>
+          <a:bodyPr rtlCol="0" anchor="ctr"/>
+          <a:lstStyle/>
+          <a:p>
+            <a:pPr algn="ctr"/>
+            <a:endParaRPr kumimoji="1" lang="ja-JP" altLang="en-US"/>
+          </a:p>
+        </p:txBody>
+      </p:sp>
+      <p:grpSp>
+        <p:nvGrpSpPr>
+          <p:cNvPr id="11" name="図形グループ 10"/>
+          <p:cNvGrpSpPr/>
+          <p:nvPr/>
+        </p:nvGrpSpPr>
+        <p:grpSpPr>
+          <a:xfrm>
+            <a:off x="1623318" y="3429000"/>
+            <a:ext cx="1335640" cy="1348483"/>
+            <a:chOff x="1623318" y="3429000"/>
+            <a:chExt cx="1335640" cy="1348483"/>
+          </a:xfrm>
+        </p:grpSpPr>
+        <p:sp>
+          <p:nvSpPr>
+            <p:cNvPr id="15" name="正方形/長方形 14"/>
+            <p:cNvSpPr/>
+            <p:nvPr/>
+          </p:nvSpPr>
+          <p:spPr>
+            <a:xfrm>
+              <a:off x="1623318" y="3429000"/>
+              <a:ext cx="1335640" cy="1348483"/>
+            </a:xfrm>
+            <a:prstGeom prst="rect">
+              <a:avLst/>
+            </a:prstGeom>
+            <a:solidFill>
+              <a:schemeClr val="bg1"/>
+            </a:solidFill>
+            <a:ln>
+              <a:noFill/>
+            </a:ln>
+          </p:spPr>
+          <p:style>
+            <a:lnRef idx="2">
+              <a:schemeClr val="accent1">
+                <a:shade val="50000"/>
+              </a:schemeClr>
+            </a:lnRef>
+            <a:fillRef idx="1">
+              <a:schemeClr val="accent1"/>
+            </a:fillRef>
+            <a:effectRef idx="0">
+              <a:schemeClr val="accent1"/>
+            </a:effectRef>
+            <a:fontRef idx="minor">
+              <a:schemeClr val="lt1"/>
+            </a:fontRef>
+          </p:style>
+          <p:txBody>
+            <a:bodyPr rtlCol="0" anchor="ctr"/>
+            <a:lstStyle/>
+            <a:p>
+              <a:pPr algn="ctr"/>
+              <a:endParaRPr kumimoji="1" lang="ja-JP" altLang="en-US"/>
+            </a:p>
+          </p:txBody>
+        </p:sp>
+        <p:sp>
+          <p:nvSpPr>
+            <p:cNvPr id="9" name="フリーフォーム 8"/>
+            <p:cNvSpPr/>
+            <p:nvPr/>
+          </p:nvSpPr>
+          <p:spPr>
+            <a:xfrm>
+              <a:off x="2024743" y="3592286"/>
+              <a:ext cx="685800" cy="631371"/>
+            </a:xfrm>
+            <a:custGeom>
+              <a:avLst/>
+              <a:gdLst>
+                <a:gd name="connsiteX0" fmla="*/ 0 w 685800"/>
+                <a:gd name="connsiteY0" fmla="*/ 0 h 631371"/>
+                <a:gd name="connsiteX1" fmla="*/ 21771 w 685800"/>
+                <a:gd name="connsiteY1" fmla="*/ 391885 h 631371"/>
+                <a:gd name="connsiteX2" fmla="*/ 43543 w 685800"/>
+                <a:gd name="connsiteY2" fmla="*/ 478971 h 631371"/>
+                <a:gd name="connsiteX3" fmla="*/ 65314 w 685800"/>
+                <a:gd name="connsiteY3" fmla="*/ 511628 h 631371"/>
+                <a:gd name="connsiteX4" fmla="*/ 185057 w 685800"/>
+                <a:gd name="connsiteY4" fmla="*/ 609600 h 631371"/>
+                <a:gd name="connsiteX5" fmla="*/ 250371 w 685800"/>
+                <a:gd name="connsiteY5" fmla="*/ 631371 h 631371"/>
+                <a:gd name="connsiteX6" fmla="*/ 304800 w 685800"/>
+                <a:gd name="connsiteY6" fmla="*/ 620485 h 631371"/>
+                <a:gd name="connsiteX7" fmla="*/ 370114 w 685800"/>
+                <a:gd name="connsiteY7" fmla="*/ 598714 h 631371"/>
+                <a:gd name="connsiteX8" fmla="*/ 391886 w 685800"/>
+                <a:gd name="connsiteY8" fmla="*/ 566057 h 631371"/>
+                <a:gd name="connsiteX9" fmla="*/ 468086 w 685800"/>
+                <a:gd name="connsiteY9" fmla="*/ 522514 h 631371"/>
+                <a:gd name="connsiteX10" fmla="*/ 598714 w 685800"/>
+                <a:gd name="connsiteY10" fmla="*/ 457200 h 631371"/>
+                <a:gd name="connsiteX11" fmla="*/ 685800 w 685800"/>
+                <a:gd name="connsiteY11" fmla="*/ 457200 h 631371"/>
+              </a:gdLst>
+              <a:ahLst/>
+              <a:cxnLst>
+                <a:cxn ang="0">
+                  <a:pos x="connsiteX0" y="connsiteY0"/>
+                </a:cxn>
+                <a:cxn ang="0">
+                  <a:pos x="connsiteX1" y="connsiteY1"/>
+                </a:cxn>
+                <a:cxn ang="0">
+                  <a:pos x="connsiteX2" y="connsiteY2"/>
+                </a:cxn>
+                <a:cxn ang="0">
+                  <a:pos x="connsiteX3" y="connsiteY3"/>
+                </a:cxn>
+                <a:cxn ang="0">
+                  <a:pos x="connsiteX4" y="connsiteY4"/>
+                </a:cxn>
+                <a:cxn ang="0">
+                  <a:pos x="connsiteX5" y="connsiteY5"/>
+                </a:cxn>
+                <a:cxn ang="0">
+                  <a:pos x="connsiteX6" y="connsiteY6"/>
+                </a:cxn>
+                <a:cxn ang="0">
+                  <a:pos x="connsiteX7" y="connsiteY7"/>
+                </a:cxn>
+                <a:cxn ang="0">
+                  <a:pos x="connsiteX8" y="connsiteY8"/>
+                </a:cxn>
+                <a:cxn ang="0">
+                  <a:pos x="connsiteX9" y="connsiteY9"/>
+                </a:cxn>
+                <a:cxn ang="0">
+                  <a:pos x="connsiteX10" y="connsiteY10"/>
+                </a:cxn>
+                <a:cxn ang="0">
+                  <a:pos x="connsiteX11" y="connsiteY11"/>
+                </a:cxn>
+              </a:cxnLst>
+              <a:rect l="l" t="t" r="r" b="b"/>
+              <a:pathLst>
+                <a:path w="685800" h="631371">
+                  <a:moveTo>
+                    <a:pt x="0" y="0"/>
+                  </a:moveTo>
+                  <a:cubicBezTo>
+                    <a:pt x="8720" y="261604"/>
+                    <a:pt x="-6431" y="236771"/>
+                    <a:pt x="21771" y="391885"/>
+                  </a:cubicBezTo>
+                  <a:cubicBezTo>
+                    <a:pt x="25320" y="411406"/>
+                    <a:pt x="32752" y="457388"/>
+                    <a:pt x="43543" y="478971"/>
+                  </a:cubicBezTo>
+                  <a:cubicBezTo>
+                    <a:pt x="49394" y="490673"/>
+                    <a:pt x="56699" y="501782"/>
+                    <a:pt x="65314" y="511628"/>
+                  </a:cubicBezTo>
+                  <a:cubicBezTo>
+                    <a:pt x="90382" y="540277"/>
+                    <a:pt x="147205" y="596983"/>
+                    <a:pt x="185057" y="609600"/>
+                  </a:cubicBezTo>
+                  <a:lnTo>
+                    <a:pt x="250371" y="631371"/>
+                  </a:lnTo>
+                  <a:cubicBezTo>
+                    <a:pt x="268514" y="627742"/>
+                    <a:pt x="286950" y="625353"/>
+                    <a:pt x="304800" y="620485"/>
+                  </a:cubicBezTo>
+                  <a:cubicBezTo>
+                    <a:pt x="326940" y="614447"/>
+                    <a:pt x="370114" y="598714"/>
+                    <a:pt x="370114" y="598714"/>
+                  </a:cubicBezTo>
+                  <a:cubicBezTo>
+                    <a:pt x="377371" y="587828"/>
+                    <a:pt x="382635" y="575308"/>
+                    <a:pt x="391886" y="566057"/>
+                  </a:cubicBezTo>
+                  <a:cubicBezTo>
+                    <a:pt x="410718" y="547225"/>
+                    <a:pt x="446736" y="535324"/>
+                    <a:pt x="468086" y="522514"/>
+                  </a:cubicBezTo>
+                  <a:cubicBezTo>
+                    <a:pt x="504779" y="500498"/>
+                    <a:pt x="550426" y="457200"/>
+                    <a:pt x="598714" y="457200"/>
+                  </a:cubicBezTo>
+                  <a:lnTo>
+                    <a:pt x="685800" y="457200"/>
+                  </a:lnTo>
+                </a:path>
+              </a:pathLst>
+            </a:custGeom>
+            <a:solidFill>
+              <a:schemeClr val="bg1"/>
+            </a:solidFill>
+            <a:ln w="57150">
+              <a:solidFill>
+                <a:schemeClr val="tx1"/>
+              </a:solidFill>
+            </a:ln>
+          </p:spPr>
+          <p:style>
+            <a:lnRef idx="2">
+              <a:schemeClr val="accent1">
+                <a:shade val="50000"/>
+              </a:schemeClr>
+            </a:lnRef>
+            <a:fillRef idx="1">
+              <a:schemeClr val="accent1"/>
+            </a:fillRef>
+            <a:effectRef idx="0">
+              <a:schemeClr val="accent1"/>
+            </a:effectRef>
+            <a:fontRef idx="minor">
+              <a:schemeClr val="lt1"/>
+            </a:fontRef>
+          </p:style>
+          <p:txBody>
+            <a:bodyPr rtlCol="0" anchor="ctr"/>
+            <a:lstStyle/>
+            <a:p>
+              <a:pPr algn="ctr"/>
+              <a:endParaRPr kumimoji="1" lang="ja-JP" altLang="en-US"/>
+            </a:p>
+          </p:txBody>
+        </p:sp>
+        <p:sp>
+          <p:nvSpPr>
+            <p:cNvPr id="10" name="フリーフォーム 9"/>
+            <p:cNvSpPr/>
+            <p:nvPr/>
+          </p:nvSpPr>
+          <p:spPr>
+            <a:xfrm>
+              <a:off x="2393879" y="3627978"/>
+              <a:ext cx="43544" cy="868982"/>
+            </a:xfrm>
+            <a:custGeom>
+              <a:avLst/>
+              <a:gdLst>
+                <a:gd name="connsiteX0" fmla="*/ 43544 w 43544"/>
+                <a:gd name="connsiteY0" fmla="*/ 0 h 868982"/>
+                <a:gd name="connsiteX1" fmla="*/ 32658 w 43544"/>
+                <a:gd name="connsiteY1" fmla="*/ 522514 h 868982"/>
+                <a:gd name="connsiteX2" fmla="*/ 21772 w 43544"/>
+                <a:gd name="connsiteY2" fmla="*/ 587828 h 868982"/>
+                <a:gd name="connsiteX3" fmla="*/ 1 w 43544"/>
+                <a:gd name="connsiteY3" fmla="*/ 827314 h 868982"/>
+              </a:gdLst>
+              <a:ahLst/>
+              <a:cxnLst>
+                <a:cxn ang="0">
+                  <a:pos x="connsiteX0" y="connsiteY0"/>
+                </a:cxn>
+                <a:cxn ang="0">
+                  <a:pos x="connsiteX1" y="connsiteY1"/>
+                </a:cxn>
+                <a:cxn ang="0">
+                  <a:pos x="connsiteX2" y="connsiteY2"/>
+                </a:cxn>
+                <a:cxn ang="0">
+                  <a:pos x="connsiteX3" y="connsiteY3"/>
+                </a:cxn>
+              </a:cxnLst>
+              <a:rect l="l" t="t" r="r" b="b"/>
+              <a:pathLst>
+                <a:path w="43544" h="868982">
+                  <a:moveTo>
+                    <a:pt x="43544" y="0"/>
+                  </a:moveTo>
+                  <a:cubicBezTo>
+                    <a:pt x="39915" y="174171"/>
+                    <a:pt x="39106" y="348424"/>
+                    <a:pt x="32658" y="522514"/>
+                  </a:cubicBezTo>
+                  <a:cubicBezTo>
+                    <a:pt x="31841" y="544571"/>
+                    <a:pt x="23968" y="565866"/>
+                    <a:pt x="21772" y="587828"/>
+                  </a:cubicBezTo>
+                  <a:cubicBezTo>
+                    <a:pt x="-602" y="811565"/>
+                    <a:pt x="1" y="940189"/>
+                    <a:pt x="1" y="827314"/>
+                  </a:cubicBezTo>
+                </a:path>
+              </a:pathLst>
+            </a:custGeom>
+            <a:solidFill>
+              <a:schemeClr val="bg1"/>
+            </a:solidFill>
+            <a:ln w="57150">
+              <a:solidFill>
+                <a:schemeClr val="tx1"/>
+              </a:solidFill>
+            </a:ln>
+          </p:spPr>
+          <p:style>
+            <a:lnRef idx="2">
+              <a:schemeClr val="accent1">
+                <a:shade val="50000"/>
+              </a:schemeClr>
+            </a:lnRef>
+            <a:fillRef idx="1">
+              <a:schemeClr val="accent1"/>
+            </a:fillRef>
+            <a:effectRef idx="0">
+              <a:schemeClr val="accent1"/>
+            </a:effectRef>
+            <a:fontRef idx="minor">
+              <a:schemeClr val="lt1"/>
+            </a:fontRef>
+          </p:style>
+          <p:txBody>
+            <a:bodyPr rtlCol="0" anchor="ctr"/>
+            <a:lstStyle/>
+            <a:p>
+              <a:pPr algn="ctr"/>
+              <a:endParaRPr kumimoji="1" lang="ja-JP" altLang="en-US"/>
+            </a:p>
+          </p:txBody>
+        </p:sp>
+      </p:grpSp>
+      <p:sp>
+        <p:nvSpPr>
+          <p:cNvPr id="12" name="フリーフォーム 11"/>
+          <p:cNvSpPr/>
+          <p:nvPr/>
+        </p:nvSpPr>
+        <p:spPr>
+          <a:xfrm>
+            <a:off x="4005844" y="5404207"/>
+            <a:ext cx="997673" cy="780836"/>
+          </a:xfrm>
+          <a:custGeom>
+            <a:avLst/>
+            <a:gdLst>
+              <a:gd name="connsiteX0" fmla="*/ 11352 w 997673"/>
+              <a:gd name="connsiteY0" fmla="*/ 308224 h 780836"/>
+              <a:gd name="connsiteX1" fmla="*/ 11352 w 997673"/>
+              <a:gd name="connsiteY1" fmla="*/ 133564 h 780836"/>
+              <a:gd name="connsiteX2" fmla="*/ 31900 w 997673"/>
+              <a:gd name="connsiteY2" fmla="*/ 102741 h 780836"/>
+              <a:gd name="connsiteX3" fmla="*/ 62722 w 997673"/>
+              <a:gd name="connsiteY3" fmla="*/ 61645 h 780836"/>
+              <a:gd name="connsiteX4" fmla="*/ 83271 w 997673"/>
+              <a:gd name="connsiteY4" fmla="*/ 30822 h 780836"/>
+              <a:gd name="connsiteX5" fmla="*/ 124367 w 997673"/>
+              <a:gd name="connsiteY5" fmla="*/ 20548 h 780836"/>
+              <a:gd name="connsiteX6" fmla="*/ 186012 w 997673"/>
+              <a:gd name="connsiteY6" fmla="*/ 0 h 780836"/>
+              <a:gd name="connsiteX7" fmla="*/ 350399 w 997673"/>
+              <a:gd name="connsiteY7" fmla="*/ 123290 h 780836"/>
+              <a:gd name="connsiteX8" fmla="*/ 463414 w 997673"/>
+              <a:gd name="connsiteY8" fmla="*/ 195209 h 780836"/>
+              <a:gd name="connsiteX9" fmla="*/ 514785 w 997673"/>
+              <a:gd name="connsiteY9" fmla="*/ 246580 h 780836"/>
+              <a:gd name="connsiteX10" fmla="*/ 545608 w 997673"/>
+              <a:gd name="connsiteY10" fmla="*/ 277402 h 780836"/>
+              <a:gd name="connsiteX11" fmla="*/ 576430 w 997673"/>
+              <a:gd name="connsiteY11" fmla="*/ 308224 h 780836"/>
+              <a:gd name="connsiteX12" fmla="*/ 596978 w 997673"/>
+              <a:gd name="connsiteY12" fmla="*/ 349321 h 780836"/>
+              <a:gd name="connsiteX13" fmla="*/ 607253 w 997673"/>
+              <a:gd name="connsiteY13" fmla="*/ 400692 h 780836"/>
+              <a:gd name="connsiteX14" fmla="*/ 617527 w 997673"/>
+              <a:gd name="connsiteY14" fmla="*/ 431514 h 780836"/>
+              <a:gd name="connsiteX15" fmla="*/ 607253 w 997673"/>
+              <a:gd name="connsiteY15" fmla="*/ 534256 h 780836"/>
+              <a:gd name="connsiteX16" fmla="*/ 545608 w 997673"/>
+              <a:gd name="connsiteY16" fmla="*/ 585627 h 780836"/>
+              <a:gd name="connsiteX17" fmla="*/ 525059 w 997673"/>
+              <a:gd name="connsiteY17" fmla="*/ 606175 h 780836"/>
+              <a:gd name="connsiteX18" fmla="*/ 422318 w 997673"/>
+              <a:gd name="connsiteY18" fmla="*/ 657546 h 780836"/>
+              <a:gd name="connsiteX19" fmla="*/ 381221 w 997673"/>
+              <a:gd name="connsiteY19" fmla="*/ 667820 h 780836"/>
+              <a:gd name="connsiteX20" fmla="*/ 257931 w 997673"/>
+              <a:gd name="connsiteY20" fmla="*/ 657546 h 780836"/>
+              <a:gd name="connsiteX21" fmla="*/ 237383 w 997673"/>
+              <a:gd name="connsiteY21" fmla="*/ 636997 h 780836"/>
+              <a:gd name="connsiteX22" fmla="*/ 31900 w 997673"/>
+              <a:gd name="connsiteY22" fmla="*/ 657546 h 780836"/>
+              <a:gd name="connsiteX23" fmla="*/ 11352 w 997673"/>
+              <a:gd name="connsiteY23" fmla="*/ 688368 h 780836"/>
+              <a:gd name="connsiteX24" fmla="*/ 42174 w 997673"/>
+              <a:gd name="connsiteY24" fmla="*/ 698642 h 780836"/>
+              <a:gd name="connsiteX25" fmla="*/ 206560 w 997673"/>
+              <a:gd name="connsiteY25" fmla="*/ 678094 h 780836"/>
+              <a:gd name="connsiteX26" fmla="*/ 350399 w 997673"/>
+              <a:gd name="connsiteY26" fmla="*/ 657546 h 780836"/>
+              <a:gd name="connsiteX27" fmla="*/ 432592 w 997673"/>
+              <a:gd name="connsiteY27" fmla="*/ 667820 h 780836"/>
+              <a:gd name="connsiteX28" fmla="*/ 607253 w 997673"/>
+              <a:gd name="connsiteY28" fmla="*/ 729465 h 780836"/>
+              <a:gd name="connsiteX29" fmla="*/ 658623 w 997673"/>
+              <a:gd name="connsiteY29" fmla="*/ 760287 h 780836"/>
+              <a:gd name="connsiteX30" fmla="*/ 740817 w 997673"/>
+              <a:gd name="connsiteY30" fmla="*/ 780836 h 780836"/>
+              <a:gd name="connsiteX31" fmla="*/ 987396 w 997673"/>
+              <a:gd name="connsiteY31" fmla="*/ 770562 h 780836"/>
+              <a:gd name="connsiteX32" fmla="*/ 997671 w 997673"/>
+              <a:gd name="connsiteY32" fmla="*/ 739739 h 780836"/>
+            </a:gdLst>
+            <a:ahLst/>
+            <a:cxnLst>
+              <a:cxn ang="0">
+                <a:pos x="connsiteX0" y="connsiteY0"/>
+              </a:cxn>
+              <a:cxn ang="0">
+                <a:pos x="connsiteX1" y="connsiteY1"/>
+              </a:cxn>
+              <a:cxn ang="0">
+                <a:pos x="connsiteX2" y="connsiteY2"/>
+              </a:cxn>
+              <a:cxn ang="0">
+                <a:pos x="connsiteX3" y="connsiteY3"/>
+              </a:cxn>
+              <a:cxn ang="0">
+                <a:pos x="connsiteX4" y="connsiteY4"/>
+              </a:cxn>
+              <a:cxn ang="0">
+                <a:pos x="connsiteX5" y="connsiteY5"/>
+              </a:cxn>
+              <a:cxn ang="0">
+                <a:pos x="connsiteX6" y="connsiteY6"/>
+              </a:cxn>
+              <a:cxn ang="0">
+                <a:pos x="connsiteX7" y="connsiteY7"/>
+              </a:cxn>
+              <a:cxn ang="0">
+                <a:pos x="connsiteX8" y="connsiteY8"/>
+              </a:cxn>
+              <a:cxn ang="0">
+                <a:pos x="connsiteX9" y="connsiteY9"/>
+              </a:cxn>
+              <a:cxn ang="0">
+                <a:pos x="connsiteX10" y="connsiteY10"/>
+              </a:cxn>
+              <a:cxn ang="0">
+                <a:pos x="connsiteX11" y="connsiteY11"/>
+              </a:cxn>
+              <a:cxn ang="0">
+                <a:pos x="connsiteX12" y="connsiteY12"/>
+              </a:cxn>
+              <a:cxn ang="0">
+                <a:pos x="connsiteX13" y="connsiteY13"/>
+              </a:cxn>
+              <a:cxn ang="0">
+                <a:pos x="connsiteX14" y="connsiteY14"/>
+              </a:cxn>
+              <a:cxn ang="0">
+                <a:pos x="connsiteX15" y="connsiteY15"/>
+              </a:cxn>
+              <a:cxn ang="0">
+                <a:pos x="connsiteX16" y="connsiteY16"/>
+              </a:cxn>
+              <a:cxn ang="0">
+                <a:pos x="connsiteX17" y="connsiteY17"/>
+              </a:cxn>
+              <a:cxn ang="0">
+                <a:pos x="connsiteX18" y="connsiteY18"/>
+              </a:cxn>
+              <a:cxn ang="0">
+                <a:pos x="connsiteX19" y="connsiteY19"/>
+              </a:cxn>
+              <a:cxn ang="0">
+                <a:pos x="connsiteX20" y="connsiteY20"/>
+              </a:cxn>
+              <a:cxn ang="0">
+                <a:pos x="connsiteX21" y="connsiteY21"/>
+              </a:cxn>
+              <a:cxn ang="0">
+                <a:pos x="connsiteX22" y="connsiteY22"/>
+              </a:cxn>
+              <a:cxn ang="0">
+                <a:pos x="connsiteX23" y="connsiteY23"/>
+              </a:cxn>
+              <a:cxn ang="0">
+                <a:pos x="connsiteX24" y="connsiteY24"/>
+              </a:cxn>
+              <a:cxn ang="0">
+                <a:pos x="connsiteX25" y="connsiteY25"/>
+              </a:cxn>
+              <a:cxn ang="0">
+                <a:pos x="connsiteX26" y="connsiteY26"/>
+              </a:cxn>
+              <a:cxn ang="0">
+                <a:pos x="connsiteX27" y="connsiteY27"/>
+              </a:cxn>
+              <a:cxn ang="0">
+                <a:pos x="connsiteX28" y="connsiteY28"/>
+              </a:cxn>
+              <a:cxn ang="0">
+                <a:pos x="connsiteX29" y="connsiteY29"/>
+              </a:cxn>
+              <a:cxn ang="0">
+                <a:pos x="connsiteX30" y="connsiteY30"/>
+              </a:cxn>
+              <a:cxn ang="0">
+                <a:pos x="connsiteX31" y="connsiteY31"/>
+              </a:cxn>
+              <a:cxn ang="0">
+                <a:pos x="connsiteX32" y="connsiteY32"/>
+              </a:cxn>
+            </a:cxnLst>
+            <a:rect l="l" t="t" r="r" b="b"/>
+            <a:pathLst>
+              <a:path w="997673" h="780836">
+                <a:moveTo>
+                  <a:pt x="11352" y="308224"/>
+                </a:moveTo>
+                <a:cubicBezTo>
+                  <a:pt x="671" y="233466"/>
+                  <a:pt x="-7675" y="216012"/>
+                  <a:pt x="11352" y="133564"/>
+                </a:cubicBezTo>
+                <a:cubicBezTo>
+                  <a:pt x="14129" y="121532"/>
+                  <a:pt x="24723" y="112789"/>
+                  <a:pt x="31900" y="102741"/>
+                </a:cubicBezTo>
+                <a:cubicBezTo>
+                  <a:pt x="41853" y="88807"/>
+                  <a:pt x="52769" y="75579"/>
+                  <a:pt x="62722" y="61645"/>
+                </a:cubicBezTo>
+                <a:cubicBezTo>
+                  <a:pt x="69899" y="51597"/>
+                  <a:pt x="72997" y="37672"/>
+                  <a:pt x="83271" y="30822"/>
+                </a:cubicBezTo>
+                <a:cubicBezTo>
+                  <a:pt x="95020" y="22989"/>
+                  <a:pt x="110842" y="24605"/>
+                  <a:pt x="124367" y="20548"/>
+                </a:cubicBezTo>
+                <a:cubicBezTo>
+                  <a:pt x="145113" y="14324"/>
+                  <a:pt x="186012" y="0"/>
+                  <a:pt x="186012" y="0"/>
+                </a:cubicBezTo>
+                <a:cubicBezTo>
+                  <a:pt x="240808" y="41097"/>
+                  <a:pt x="290929" y="89308"/>
+                  <a:pt x="350399" y="123290"/>
+                </a:cubicBezTo>
+                <a:cubicBezTo>
+                  <a:pt x="392619" y="147415"/>
+                  <a:pt x="427869" y="163613"/>
+                  <a:pt x="463414" y="195209"/>
+                </a:cubicBezTo>
+                <a:cubicBezTo>
+                  <a:pt x="481514" y="211298"/>
+                  <a:pt x="497661" y="229456"/>
+                  <a:pt x="514785" y="246580"/>
+                </a:cubicBezTo>
+                <a:lnTo>
+                  <a:pt x="545608" y="277402"/>
+                </a:lnTo>
+                <a:lnTo>
+                  <a:pt x="576430" y="308224"/>
+                </a:lnTo>
+                <a:cubicBezTo>
+                  <a:pt x="583279" y="321923"/>
+                  <a:pt x="592135" y="334791"/>
+                  <a:pt x="596978" y="349321"/>
+                </a:cubicBezTo>
+                <a:cubicBezTo>
+                  <a:pt x="602500" y="365888"/>
+                  <a:pt x="603017" y="383751"/>
+                  <a:pt x="607253" y="400692"/>
+                </a:cubicBezTo>
+                <a:cubicBezTo>
+                  <a:pt x="609880" y="411198"/>
+                  <a:pt x="614102" y="421240"/>
+                  <a:pt x="617527" y="431514"/>
+                </a:cubicBezTo>
+                <a:cubicBezTo>
+                  <a:pt x="614102" y="465761"/>
+                  <a:pt x="617375" y="501360"/>
+                  <a:pt x="607253" y="534256"/>
+                </a:cubicBezTo>
+                <a:cubicBezTo>
+                  <a:pt x="601277" y="553677"/>
+                  <a:pt x="559983" y="574127"/>
+                  <a:pt x="545608" y="585627"/>
+                </a:cubicBezTo>
+                <a:cubicBezTo>
+                  <a:pt x="538044" y="591678"/>
+                  <a:pt x="532941" y="600545"/>
+                  <a:pt x="525059" y="606175"/>
+                </a:cubicBezTo>
+                <a:cubicBezTo>
+                  <a:pt x="491278" y="630304"/>
+                  <a:pt x="461379" y="644525"/>
+                  <a:pt x="422318" y="657546"/>
+                </a:cubicBezTo>
+                <a:cubicBezTo>
+                  <a:pt x="408922" y="662011"/>
+                  <a:pt x="394920" y="664395"/>
+                  <a:pt x="381221" y="667820"/>
+                </a:cubicBezTo>
+                <a:cubicBezTo>
+                  <a:pt x="340124" y="664395"/>
+                  <a:pt x="298255" y="666187"/>
+                  <a:pt x="257931" y="657546"/>
+                </a:cubicBezTo>
+                <a:cubicBezTo>
+                  <a:pt x="248459" y="655516"/>
+                  <a:pt x="247070" y="636997"/>
+                  <a:pt x="237383" y="636997"/>
+                </a:cubicBezTo>
+                <a:cubicBezTo>
+                  <a:pt x="168547" y="636997"/>
+                  <a:pt x="100394" y="650696"/>
+                  <a:pt x="31900" y="657546"/>
+                </a:cubicBezTo>
+                <a:cubicBezTo>
+                  <a:pt x="25051" y="667820"/>
+                  <a:pt x="8357" y="676389"/>
+                  <a:pt x="11352" y="688368"/>
+                </a:cubicBezTo>
+                <a:cubicBezTo>
+                  <a:pt x="13979" y="698874"/>
+                  <a:pt x="31359" y="699211"/>
+                  <a:pt x="42174" y="698642"/>
+                </a:cubicBezTo>
+                <a:cubicBezTo>
+                  <a:pt x="97319" y="695740"/>
+                  <a:pt x="151732" y="684673"/>
+                  <a:pt x="206560" y="678094"/>
+                </a:cubicBezTo>
+                <a:cubicBezTo>
+                  <a:pt x="328588" y="663451"/>
+                  <a:pt x="261746" y="675276"/>
+                  <a:pt x="350399" y="657546"/>
+                </a:cubicBezTo>
+                <a:cubicBezTo>
+                  <a:pt x="377797" y="660971"/>
+                  <a:pt x="405715" y="661496"/>
+                  <a:pt x="432592" y="667820"/>
+                </a:cubicBezTo>
+                <a:cubicBezTo>
+                  <a:pt x="452896" y="672597"/>
+                  <a:pt x="584632" y="719024"/>
+                  <a:pt x="607253" y="729465"/>
+                </a:cubicBezTo>
+                <a:cubicBezTo>
+                  <a:pt x="625384" y="737833"/>
+                  <a:pt x="639985" y="753118"/>
+                  <a:pt x="658623" y="760287"/>
+                </a:cubicBezTo>
+                <a:cubicBezTo>
+                  <a:pt x="684982" y="770425"/>
+                  <a:pt x="740817" y="780836"/>
+                  <a:pt x="740817" y="780836"/>
+                </a:cubicBezTo>
+                <a:cubicBezTo>
+                  <a:pt x="823010" y="777411"/>
+                  <a:pt x="906165" y="783559"/>
+                  <a:pt x="987396" y="770562"/>
+                </a:cubicBezTo>
+                <a:cubicBezTo>
+                  <a:pt x="998090" y="768851"/>
+                  <a:pt x="997671" y="739739"/>
+                  <a:pt x="997671" y="739739"/>
+                </a:cubicBezTo>
+              </a:path>
+            </a:pathLst>
+          </a:custGeom>
+          <a:noFill/>
+          <a:ln w="76200">
+            <a:solidFill>
+              <a:schemeClr val="tx1"/>
+            </a:solidFill>
+          </a:ln>
+        </p:spPr>
+        <p:style>
+          <a:lnRef idx="2">
+            <a:schemeClr val="accent1">
+              <a:shade val="50000"/>
+            </a:schemeClr>
+          </a:lnRef>
+          <a:fillRef idx="1">
+            <a:schemeClr val="accent1"/>
+          </a:fillRef>
+          <a:effectRef idx="0">
+            <a:schemeClr val="accent1"/>
+          </a:effectRef>
+          <a:fontRef idx="minor">
+            <a:schemeClr val="lt1"/>
+          </a:fontRef>
+        </p:style>
+        <p:txBody>
+          <a:bodyPr rtlCol="0" anchor="ctr"/>
+          <a:lstStyle/>
+          <a:p>
+            <a:pPr algn="ctr"/>
+            <a:endParaRPr kumimoji="1" lang="ja-JP" altLang="en-US"/>
+          </a:p>
+        </p:txBody>
+      </p:sp>
     </p:spTree>
     <p:extLst>
       <p:ext uri="{BB962C8B-B14F-4D97-AF65-F5344CB8AC3E}">
@@ -3847,6 +5150,13 @@
   <p:clrMapOvr>
     <a:masterClrMapping/>
   </p:clrMapOvr>
+  <p:timing>
+    <p:tnLst>
+      <p:par>
+        <p:cTn id="1" dur="indefinite" restart="never" nodeType="tmRoot"/>
+      </p:par>
+    </p:tnLst>
+  </p:timing>
 </p:sld>
 </file>
 
